--- a/TCC.pptx
+++ b/TCC.pptx
@@ -33,27 +33,27 @@
   <p:notesSz cx="6858000" cy="9144000"/>
   <p:embeddedFontLst>
     <p:embeddedFont>
-      <p:font typeface="Quicksand" panose="020B0604020202020204" charset="0"/>
+      <p:font typeface="Mulish" panose="020B0604020202020204" charset="0"/>
       <p:regular r:id="rId23"/>
       <p:bold r:id="rId24"/>
+      <p:italic r:id="rId25"/>
+      <p:boldItalic r:id="rId26"/>
+    </p:embeddedFont>
+    <p:embeddedFont>
+      <p:font typeface="DM Sans" panose="020B0604020202020204" charset="0"/>
+      <p:regular r:id="rId27"/>
+      <p:bold r:id="rId28"/>
+      <p:italic r:id="rId29"/>
+      <p:boldItalic r:id="rId30"/>
+    </p:embeddedFont>
+    <p:embeddedFont>
+      <p:font typeface="Quicksand" panose="020B0604020202020204" charset="0"/>
+      <p:regular r:id="rId31"/>
+      <p:bold r:id="rId32"/>
     </p:embeddedFont>
     <p:embeddedFont>
       <p:font typeface="Bebas Neue" panose="020B0604020202020204" charset="0"/>
-      <p:regular r:id="rId25"/>
-    </p:embeddedFont>
-    <p:embeddedFont>
-      <p:font typeface="DM Sans" panose="020B0604020202020204" charset="0"/>
-      <p:regular r:id="rId26"/>
-      <p:bold r:id="rId27"/>
-      <p:italic r:id="rId28"/>
-      <p:boldItalic r:id="rId29"/>
-    </p:embeddedFont>
-    <p:embeddedFont>
-      <p:font typeface="Mulish" panose="020B0604020202020204" charset="0"/>
-      <p:regular r:id="rId30"/>
-      <p:bold r:id="rId31"/>
-      <p:italic r:id="rId32"/>
-      <p:boldItalic r:id="rId33"/>
+      <p:regular r:id="rId33"/>
     </p:embeddedFont>
   </p:embeddedFontLst>
   <p:defaultTextStyle>
@@ -18795,7 +18795,7 @@
         </p:nvSpPr>
         <p:spPr>
           <a:xfrm>
-            <a:off x="4747387" y="1171208"/>
+            <a:off x="599550" y="1051358"/>
             <a:ext cx="3698100" cy="1261575"/>
           </a:xfrm>
           <a:prstGeom prst="rect">
@@ -18821,197 +18821,12 @@
             </a:r>
             <a:r>
               <a:rPr lang="pt-BR" sz="1100" dirty="0" smtClean="0"/>
-              <a:t>e</a:t>
-            </a:r>
-            <a:r>
-              <a:rPr lang="pt-BR" sz="1100" dirty="0" smtClean="0"/>
-              <a:t> dicas </a:t>
-            </a:r>
-            <a:r>
-              <a:rPr lang="pt-BR" sz="1100" dirty="0" smtClean="0"/>
-              <a:t>para </a:t>
+              <a:t>e dicas para </a:t>
             </a:r>
             <a:r>
               <a:rPr lang="pt-BR" sz="1100" dirty="0"/>
               <a:t>que os novos alunos tenham orientação desde antes de ingressarem na escola até depois de estarem matriculados.</a:t>
             </a:r>
-            <a:endParaRPr lang="pt-BR" sz="1100" dirty="0"/>
-          </a:p>
-        </p:txBody>
-      </p:sp>
-      <p:sp>
-        <p:nvSpPr>
-          <p:cNvPr id="608" name="Google Shape;608;p48"/>
-          <p:cNvSpPr txBox="1">
-            <a:spLocks noGrp="1"/>
-          </p:cNvSpPr>
-          <p:nvPr>
-            <p:ph type="subTitle" idx="2"/>
-          </p:nvPr>
-        </p:nvSpPr>
-        <p:spPr>
-          <a:xfrm>
-            <a:off x="599550" y="1227625"/>
-            <a:ext cx="3698100" cy="3244300"/>
-          </a:xfrm>
-          <a:prstGeom prst="rect">
-            <a:avLst/>
-          </a:prstGeom>
-        </p:spPr>
-        <p:txBody>
-          <a:bodyPr spcFirstLastPara="1" wrap="square" lIns="91425" tIns="91425" rIns="91425" bIns="91425" anchor="t" anchorCtr="0">
-            <a:noAutofit/>
-          </a:bodyPr>
-          <a:lstStyle/>
-          <a:p>
-            <a:pPr marL="139700" indent="0" algn="just">
-              <a:buNone/>
-            </a:pPr>
-            <a:r>
-              <a:rPr lang="pt-BR" sz="1000" dirty="0" smtClean="0"/>
-              <a:t>O Integra </a:t>
-            </a:r>
-            <a:r>
-              <a:rPr lang="pt-BR" sz="1000" dirty="0" err="1" smtClean="0"/>
-              <a:t>Etec</a:t>
-            </a:r>
-            <a:r>
-              <a:rPr lang="pt-BR" sz="1000" dirty="0" smtClean="0"/>
-              <a:t>, como o próprio nome diz, é um projeto desenvolvido nas </a:t>
-            </a:r>
-            <a:r>
-              <a:rPr lang="pt-BR" sz="1000" dirty="0" err="1" smtClean="0"/>
-              <a:t>Etecs</a:t>
-            </a:r>
-            <a:r>
-              <a:rPr lang="pt-BR" sz="1000" dirty="0" smtClean="0"/>
-              <a:t>, que consiste em separar um dia no ano  para que seja realizado uma série de brincadeiras estilo </a:t>
-            </a:r>
-            <a:r>
-              <a:rPr lang="pt-BR" sz="1000" dirty="0"/>
-              <a:t>g</a:t>
-            </a:r>
-            <a:r>
-              <a:rPr lang="pt-BR" sz="1000" dirty="0" smtClean="0"/>
-              <a:t>incana, com o objetivo de fazer que os alunos novatos se enturmem com o resto da escola, utilizando brincadeiras como:</a:t>
-            </a:r>
-          </a:p>
-          <a:p>
-            <a:pPr marL="139700" indent="0" algn="just">
-              <a:buNone/>
-            </a:pPr>
-            <a:endParaRPr lang="pt-BR" sz="1000" dirty="0" smtClean="0"/>
-          </a:p>
-          <a:p>
-            <a:pPr algn="just"/>
-            <a:r>
-              <a:rPr lang="pt-BR" sz="1000" dirty="0" smtClean="0"/>
-              <a:t>Cabo de guerra</a:t>
-            </a:r>
-          </a:p>
-          <a:p>
-            <a:pPr algn="just"/>
-            <a:r>
-              <a:rPr lang="pt-BR" sz="1000" dirty="0" smtClean="0"/>
-              <a:t> Torta na Cara</a:t>
-            </a:r>
-          </a:p>
-          <a:p>
-            <a:pPr algn="just"/>
-            <a:r>
-              <a:rPr lang="pt-BR" sz="1000" dirty="0" smtClean="0"/>
-              <a:t>Qual é a Musica</a:t>
-            </a:r>
-          </a:p>
-          <a:p>
-            <a:pPr algn="just"/>
-            <a:r>
-              <a:rPr lang="pt-BR" sz="1000" dirty="0" smtClean="0"/>
-              <a:t>Dança das Cadeiras</a:t>
-            </a:r>
-          </a:p>
-          <a:p>
-            <a:pPr algn="just"/>
-            <a:r>
-              <a:rPr lang="pt-BR" sz="1000" dirty="0" smtClean="0"/>
-              <a:t>Pinturas corporais</a:t>
-            </a:r>
-          </a:p>
-          <a:p>
-            <a:pPr algn="just"/>
-            <a:r>
-              <a:rPr lang="pt-BR" sz="1000" dirty="0" smtClean="0"/>
-              <a:t>Fantasias </a:t>
-            </a:r>
-          </a:p>
-          <a:p>
-            <a:pPr algn="just"/>
-            <a:r>
-              <a:rPr lang="pt-BR" sz="1000" dirty="0" smtClean="0"/>
-              <a:t>Sistema de Veteranos e Bichos </a:t>
-            </a:r>
-          </a:p>
-          <a:p>
-            <a:pPr marL="139700" indent="0" algn="just">
-              <a:buNone/>
-            </a:pPr>
-            <a:endParaRPr lang="pt-BR" sz="1000" dirty="0" smtClean="0"/>
-          </a:p>
-          <a:p>
-            <a:pPr marL="139700" indent="0" algn="just">
-              <a:buNone/>
-            </a:pPr>
-            <a:endParaRPr lang="pt-BR" sz="1000" dirty="0"/>
-          </a:p>
-        </p:txBody>
-      </p:sp>
-      <p:sp>
-        <p:nvSpPr>
-          <p:cNvPr id="609" name="Google Shape;609;p48"/>
-          <p:cNvSpPr txBox="1">
-            <a:spLocks noGrp="1"/>
-          </p:cNvSpPr>
-          <p:nvPr>
-            <p:ph type="subTitle" idx="3"/>
-          </p:nvPr>
-        </p:nvSpPr>
-        <p:spPr>
-          <a:xfrm>
-            <a:off x="726675" y="805225"/>
-            <a:ext cx="3698100" cy="422400"/>
-          </a:xfrm>
-          <a:prstGeom prst="rect">
-            <a:avLst/>
-          </a:prstGeom>
-        </p:spPr>
-        <p:txBody>
-          <a:bodyPr spcFirstLastPara="1" wrap="square" lIns="91425" tIns="91425" rIns="91425" bIns="91425" anchor="b" anchorCtr="0">
-            <a:noAutofit/>
-          </a:bodyPr>
-          <a:lstStyle/>
-          <a:p>
-            <a:pPr marL="0" lvl="0" indent="0" algn="l" rtl="0">
-              <a:spcBef>
-                <a:spcPts val="0"/>
-              </a:spcBef>
-              <a:spcAft>
-                <a:spcPts val="0"/>
-              </a:spcAft>
-              <a:buNone/>
-            </a:pPr>
-            <a:r>
-              <a:rPr lang="en" dirty="0" smtClean="0"/>
-              <a:t>O que é </a:t>
-            </a:r>
-            <a:r>
-              <a:rPr lang="en" dirty="0" smtClean="0"/>
-              <a:t>o </a:t>
-            </a:r>
-            <a:r>
-              <a:rPr lang="en" dirty="0" smtClean="0"/>
-              <a:t>Integra Etec?</a:t>
-            </a:r>
-            <a:endParaRPr dirty="0"/>
           </a:p>
         </p:txBody>
       </p:sp>
@@ -19027,7 +18842,7 @@
         </p:nvSpPr>
         <p:spPr>
           <a:xfrm>
-            <a:off x="4747387" y="805225"/>
+            <a:off x="599550" y="685375"/>
             <a:ext cx="3698100" cy="422400"/>
           </a:xfrm>
           <a:prstGeom prst="rect">
@@ -19109,7 +18924,7 @@
         </p:nvSpPr>
         <p:spPr>
           <a:xfrm>
-            <a:off x="4747387" y="2447316"/>
+            <a:off x="4846350" y="2257991"/>
             <a:ext cx="3698100" cy="422400"/>
           </a:xfrm>
           <a:prstGeom prst="rect">
@@ -19397,7 +19212,7 @@
         </p:nvSpPr>
         <p:spPr>
           <a:xfrm>
-            <a:off x="4747387" y="2784300"/>
+            <a:off x="4846350" y="2594975"/>
             <a:ext cx="3698100" cy="1388875"/>
           </a:xfrm>
           <a:prstGeom prst="rect">
@@ -19679,7 +19494,6 @@
               <a:rPr lang="pt-BR" sz="1100" dirty="0"/>
               <a:t>, juntamente com textos informativos escritos pelos mesmos. Esses textos serão utilizados para transmitir exatamente o que será aprendido no curso e como ele será importante para o futuro de cada estudante, tornando assim a escolha do curso e a matrícula mais leves e fáceis de serem concluídas.</a:t>
             </a:r>
-            <a:endParaRPr lang="pt-BR" sz="1100" dirty="0"/>
           </a:p>
         </p:txBody>
       </p:sp>
@@ -19789,14 +19603,12 @@
               <a:rPr lang="pt-BR" dirty="0" smtClean="0"/>
               <a:t>Sistema de avaliação e feedback;</a:t>
             </a:r>
-            <a:endParaRPr lang="pt-BR" dirty="0" smtClean="0"/>
           </a:p>
           <a:p>
             <a:r>
               <a:rPr lang="pt-BR" dirty="0" smtClean="0"/>
               <a:t>• Visualização de opiniões em anos anteriores;</a:t>
             </a:r>
-            <a:endParaRPr lang="pt-BR" dirty="0" smtClean="0"/>
           </a:p>
           <a:p>
             <a:r>
@@ -19807,7 +19619,6 @@
               <a:rPr lang="pt-BR" dirty="0" smtClean="0"/>
               <a:t>Área de chat com veteranos de seu respectivo curso;</a:t>
             </a:r>
-            <a:endParaRPr lang="pt-BR" dirty="0" smtClean="0"/>
           </a:p>
           <a:p>
             <a:r>
